--- a/项目文件/系统结构图.pptx
+++ b/项目文件/系统结构图.pptx
@@ -6459,12 +6459,12 @@
   <p:extLst>
     <p:ext uri="{27BBF7A9-308A-43DC-89C8-2F10F3537804}">
       <p15:sldGuideLst xmlns:p15="http://schemas.microsoft.com/office/powerpoint/2012/main">
-        <p15:guide id="1" orient="horz" pos="2160" userDrawn="1">
+        <p15:guide id="1" orient="horz" pos="2160">
           <p15:clr>
             <a:srgbClr val="F26B43"/>
           </p15:clr>
         </p15:guide>
-        <p15:guide id="2" pos="3840" userDrawn="1">
+        <p15:guide id="2" pos="3840">
           <p15:clr>
             <a:srgbClr val="F26B43"/>
           </p15:clr>
@@ -6535,7 +6535,14 @@
           <a:lstStyle/>
           <a:p>
             <a:pPr algn="ctr"/>
-            <a:endParaRPr lang="zh-CN" altLang="en-US"/>
+            <a:endParaRPr lang="zh-CN" altLang="en-US">
+              <a:solidFill>
+                <a:schemeClr val="tx1">
+                  <a:lumMod val="75000"/>
+                  <a:lumOff val="25000"/>
+                </a:schemeClr>
+              </a:solidFill>
+            </a:endParaRPr>
           </a:p>
         </p:txBody>
       </p:sp>
@@ -6582,7 +6589,14 @@
           <a:lstStyle/>
           <a:p>
             <a:pPr algn="ctr"/>
-            <a:endParaRPr lang="zh-CN" altLang="en-US" dirty="0"/>
+            <a:endParaRPr lang="zh-CN" altLang="en-US" dirty="0">
+              <a:solidFill>
+                <a:schemeClr val="tx1">
+                  <a:lumMod val="75000"/>
+                  <a:lumOff val="25000"/>
+                </a:schemeClr>
+              </a:solidFill>
+            </a:endParaRPr>
           </a:p>
         </p:txBody>
       </p:sp>
@@ -6629,7 +6643,14 @@
           <a:lstStyle/>
           <a:p>
             <a:pPr algn="ctr"/>
-            <a:endParaRPr lang="zh-CN" altLang="en-US" dirty="0"/>
+            <a:endParaRPr lang="zh-CN" altLang="en-US" dirty="0">
+              <a:solidFill>
+                <a:schemeClr val="tx1">
+                  <a:lumMod val="75000"/>
+                  <a:lumOff val="25000"/>
+                </a:schemeClr>
+              </a:solidFill>
+            </a:endParaRPr>
           </a:p>
         </p:txBody>
       </p:sp>
@@ -6676,7 +6697,14 @@
           <a:lstStyle/>
           <a:p>
             <a:pPr algn="ctr"/>
-            <a:endParaRPr lang="zh-CN" altLang="en-US" dirty="0"/>
+            <a:endParaRPr lang="zh-CN" altLang="en-US" dirty="0">
+              <a:solidFill>
+                <a:schemeClr val="tx1">
+                  <a:lumMod val="75000"/>
+                  <a:lumOff val="25000"/>
+                </a:schemeClr>
+              </a:solidFill>
+            </a:endParaRPr>
           </a:p>
         </p:txBody>
       </p:sp>
@@ -6793,7 +6821,14 @@
           <a:lstStyle/>
           <a:p>
             <a:pPr algn="ctr"/>
-            <a:endParaRPr lang="zh-CN" altLang="en-US" dirty="0"/>
+            <a:endParaRPr lang="zh-CN" altLang="en-US" dirty="0">
+              <a:solidFill>
+                <a:schemeClr val="tx1">
+                  <a:lumMod val="75000"/>
+                  <a:lumOff val="25000"/>
+                </a:schemeClr>
+              </a:solidFill>
+            </a:endParaRPr>
           </a:p>
         </p:txBody>
       </p:sp>
@@ -6879,7 +6914,7 @@
         </p:blipFill>
         <p:spPr>
           <a:xfrm>
-            <a:off x="1503007" y="777287"/>
+            <a:off x="1454932" y="752192"/>
             <a:ext cx="1289096" cy="788011"/>
           </a:xfrm>
           <a:prstGeom prst="rect">
@@ -7360,8 +7395,8 @@
               <a:rPr lang="zh-CN" altLang="en-US" sz="1600" dirty="0">
                 <a:solidFill>
                   <a:schemeClr val="tx1">
-                    <a:lumMod val="65000"/>
-                    <a:lumOff val="35000"/>
+                    <a:lumMod val="75000"/>
+                    <a:lumOff val="25000"/>
                   </a:schemeClr>
                 </a:solidFill>
               </a:rPr>
@@ -7396,8 +7431,8 @@
               <a:rPr lang="zh-CN" altLang="en-US" sz="1600" dirty="0">
                 <a:solidFill>
                   <a:schemeClr val="tx1">
-                    <a:lumMod val="65000"/>
-                    <a:lumOff val="35000"/>
+                    <a:lumMod val="75000"/>
+                    <a:lumOff val="25000"/>
                   </a:schemeClr>
                 </a:solidFill>
               </a:rPr>
@@ -7414,7 +7449,7 @@
         </p:nvSpPr>
         <p:spPr>
           <a:xfrm>
-            <a:off x="1451923" y="1744373"/>
+            <a:off x="1378453" y="1728499"/>
             <a:ext cx="1201785" cy="338554"/>
           </a:xfrm>
           <a:prstGeom prst="rect">
@@ -7432,19 +7467,113 @@
               <a:rPr lang="zh-CN" altLang="en-US" sz="1600" dirty="0">
                 <a:solidFill>
                   <a:schemeClr val="tx1">
-                    <a:lumMod val="65000"/>
-                    <a:lumOff val="35000"/>
+                    <a:lumMod val="75000"/>
+                    <a:lumOff val="25000"/>
                   </a:schemeClr>
                 </a:solidFill>
               </a:rPr>
-              <a:t>定位</a:t>
+              <a:t>位置  </a:t>
             </a:r>
             <a:r>
               <a:rPr lang="en-US" altLang="zh-CN" sz="1600" dirty="0">
                 <a:solidFill>
                   <a:schemeClr val="tx1">
-                    <a:lumMod val="65000"/>
-                    <a:lumOff val="35000"/>
+                    <a:lumMod val="75000"/>
+                    <a:lumOff val="25000"/>
+                  </a:schemeClr>
+                </a:solidFill>
+              </a:rPr>
+              <a:t> </a:t>
+            </a:r>
+            <a:r>
+              <a:rPr lang="zh-CN" altLang="en-US" sz="1600" dirty="0">
+                <a:solidFill>
+                  <a:schemeClr val="tx1">
+                    <a:lumMod val="75000"/>
+                    <a:lumOff val="25000"/>
+                  </a:schemeClr>
+                </a:solidFill>
+              </a:rPr>
+              <a:t>地图</a:t>
+            </a:r>
+          </a:p>
+        </p:txBody>
+      </p:sp>
+      <p:sp>
+        <p:nvSpPr>
+          <p:cNvPr id="99" name="文本框 98"/>
+          <p:cNvSpPr txBox="1"/>
+          <p:nvPr/>
+        </p:nvSpPr>
+        <p:spPr>
+          <a:xfrm>
+            <a:off x="5307640" y="3157533"/>
+            <a:ext cx="1251700" cy="338554"/>
+          </a:xfrm>
+          <a:prstGeom prst="rect">
+            <a:avLst/>
+          </a:prstGeom>
+          <a:noFill/>
+        </p:spPr>
+        <p:txBody>
+          <a:bodyPr wrap="square" rtlCol="0">
+            <a:spAutoFit/>
+          </a:bodyPr>
+          <a:lstStyle/>
+          <a:p>
+            <a:r>
+              <a:rPr lang="zh-CN" altLang="en-US" sz="1600" dirty="0">
+                <a:solidFill>
+                  <a:schemeClr val="tx1">
+                    <a:lumMod val="75000"/>
+                    <a:lumOff val="25000"/>
+                  </a:schemeClr>
+                </a:solidFill>
+              </a:rPr>
+              <a:t>网络服务器</a:t>
+            </a:r>
+          </a:p>
+        </p:txBody>
+      </p:sp>
+      <p:sp>
+        <p:nvSpPr>
+          <p:cNvPr id="100" name="文本框 99"/>
+          <p:cNvSpPr txBox="1"/>
+          <p:nvPr/>
+        </p:nvSpPr>
+        <p:spPr>
+          <a:xfrm rot="1806752">
+            <a:off x="2885614" y="1473078"/>
+            <a:ext cx="1975624" cy="338554"/>
+          </a:xfrm>
+          <a:prstGeom prst="rect">
+            <a:avLst/>
+          </a:prstGeom>
+          <a:noFill/>
+        </p:spPr>
+        <p:txBody>
+          <a:bodyPr wrap="square" rtlCol="0">
+            <a:spAutoFit/>
+          </a:bodyPr>
+          <a:lstStyle/>
+          <a:p>
+            <a:r>
+              <a:rPr lang="zh-CN" altLang="en-US" sz="1600" dirty="0">
+                <a:solidFill>
+                  <a:schemeClr val="tx1">
+                    <a:lumMod val="75000"/>
+                    <a:lumOff val="25000"/>
+                  </a:schemeClr>
+                </a:solidFill>
+              </a:rPr>
+              <a:t>路网</a:t>
+            </a:r>
+            <a:r>
+              <a:rPr lang="en-US" altLang="zh-CN" sz="1600" dirty="0">
+                <a:solidFill>
+                  <a:schemeClr val="tx1">
+                    <a:lumMod val="75000"/>
+                    <a:lumOff val="25000"/>
                   </a:schemeClr>
                 </a:solidFill>
               </a:rPr>
@@ -7454,26 +7583,48 @@
               <a:rPr lang="zh-CN" altLang="en-US" sz="1600" dirty="0">
                 <a:solidFill>
                   <a:schemeClr val="tx1">
-                    <a:lumMod val="65000"/>
-                    <a:lumOff val="35000"/>
+                    <a:lumMod val="75000"/>
+                    <a:lumOff val="25000"/>
                   </a:schemeClr>
                 </a:solidFill>
               </a:rPr>
-              <a:t>地图</a:t>
-            </a:r>
-          </a:p>
-        </p:txBody>
-      </p:sp>
-      <p:sp>
-        <p:nvSpPr>
-          <p:cNvPr id="99" name="文本框 98"/>
+              <a:t>交通</a:t>
+            </a:r>
+            <a:r>
+              <a:rPr lang="en-US" altLang="zh-CN" sz="1600" dirty="0">
+                <a:solidFill>
+                  <a:schemeClr val="tx1">
+                    <a:lumMod val="75000"/>
+                    <a:lumOff val="25000"/>
+                  </a:schemeClr>
+                </a:solidFill>
+              </a:rPr>
+              <a:t>/</a:t>
+            </a:r>
+            <a:r>
+              <a:rPr lang="zh-CN" altLang="en-US" sz="1600" dirty="0">
+                <a:solidFill>
+                  <a:schemeClr val="tx1">
+                    <a:lumMod val="75000"/>
+                    <a:lumOff val="25000"/>
+                  </a:schemeClr>
+                </a:solidFill>
+              </a:rPr>
+              <a:t>路径规划</a:t>
+            </a:r>
+          </a:p>
+        </p:txBody>
+      </p:sp>
+      <p:sp>
+        <p:nvSpPr>
+          <p:cNvPr id="101" name="文本框 100"/>
           <p:cNvSpPr txBox="1"/>
           <p:nvPr/>
         </p:nvSpPr>
         <p:spPr>
-          <a:xfrm>
-            <a:off x="5307640" y="3157533"/>
-            <a:ext cx="1251700" cy="338554"/>
+          <a:xfrm rot="20746947">
+            <a:off x="2532544" y="2698269"/>
+            <a:ext cx="1980487" cy="307777"/>
           </a:xfrm>
           <a:prstGeom prst="rect">
             <a:avLst/>
@@ -7487,29 +7638,51 @@
           <a:lstStyle/>
           <a:p>
             <a:r>
-              <a:rPr lang="zh-CN" altLang="en-US" sz="1600" dirty="0">
+              <a:rPr lang="zh-CN" altLang="en-US" sz="1400" dirty="0">
                 <a:solidFill>
                   <a:schemeClr val="tx1">
-                    <a:lumMod val="65000"/>
-                    <a:lumOff val="35000"/>
+                    <a:lumMod val="75000"/>
+                    <a:lumOff val="25000"/>
                   </a:schemeClr>
                 </a:solidFill>
               </a:rPr>
-              <a:t>网络服务器</a:t>
-            </a:r>
-          </a:p>
-        </p:txBody>
-      </p:sp>
-      <p:sp>
-        <p:nvSpPr>
-          <p:cNvPr id="100" name="文本框 99"/>
+              <a:t>提交订单</a:t>
+            </a:r>
+            <a:r>
+              <a:rPr lang="en-US" altLang="zh-CN" sz="1400" dirty="0">
+                <a:solidFill>
+                  <a:schemeClr val="tx1">
+                    <a:lumMod val="75000"/>
+                    <a:lumOff val="25000"/>
+                  </a:schemeClr>
+                </a:solidFill>
+              </a:rPr>
+              <a:t>/</a:t>
+            </a:r>
+            <a:r>
+              <a:rPr lang="zh-CN" altLang="en-US" sz="1400" dirty="0">
+                <a:solidFill>
+                  <a:schemeClr val="tx1">
+                    <a:lumMod val="75000"/>
+                    <a:lumOff val="25000"/>
+                  </a:schemeClr>
+                </a:solidFill>
+              </a:rPr>
+              <a:t>实时公交</a:t>
+            </a:r>
+          </a:p>
+        </p:txBody>
+      </p:sp>
+      <p:sp>
+        <p:nvSpPr>
+          <p:cNvPr id="102" name="文本框 101"/>
           <p:cNvSpPr txBox="1"/>
           <p:nvPr/>
         </p:nvSpPr>
         <p:spPr>
-          <a:xfrm rot="1806752">
-            <a:off x="2885614" y="1473078"/>
-            <a:ext cx="1975624" cy="338554"/>
+          <a:xfrm rot="19307764">
+            <a:off x="6282816" y="1970144"/>
+            <a:ext cx="1035295" cy="338554"/>
           </a:xfrm>
           <a:prstGeom prst="rect">
             <a:avLst/>
@@ -7526,146 +7699,8 @@
               <a:rPr lang="zh-CN" altLang="en-US" sz="1600" dirty="0">
                 <a:solidFill>
                   <a:schemeClr val="tx1">
-                    <a:lumMod val="65000"/>
-                    <a:lumOff val="35000"/>
-                  </a:schemeClr>
-                </a:solidFill>
-              </a:rPr>
-              <a:t>路网</a:t>
-            </a:r>
-            <a:r>
-              <a:rPr lang="en-US" altLang="zh-CN" sz="1600" dirty="0">
-                <a:solidFill>
-                  <a:schemeClr val="tx1">
-                    <a:lumMod val="65000"/>
-                    <a:lumOff val="35000"/>
-                  </a:schemeClr>
-                </a:solidFill>
-              </a:rPr>
-              <a:t>/</a:t>
-            </a:r>
-            <a:r>
-              <a:rPr lang="zh-CN" altLang="en-US" sz="1600" dirty="0">
-                <a:solidFill>
-                  <a:schemeClr val="tx1">
-                    <a:lumMod val="65000"/>
-                    <a:lumOff val="35000"/>
-                  </a:schemeClr>
-                </a:solidFill>
-              </a:rPr>
-              <a:t>交通</a:t>
-            </a:r>
-            <a:r>
-              <a:rPr lang="en-US" altLang="zh-CN" sz="1600" dirty="0">
-                <a:solidFill>
-                  <a:schemeClr val="tx1">
-                    <a:lumMod val="65000"/>
-                    <a:lumOff val="35000"/>
-                  </a:schemeClr>
-                </a:solidFill>
-              </a:rPr>
-              <a:t>/</a:t>
-            </a:r>
-            <a:r>
-              <a:rPr lang="zh-CN" altLang="en-US" sz="1600" dirty="0">
-                <a:solidFill>
-                  <a:schemeClr val="tx1">
-                    <a:lumMod val="65000"/>
-                    <a:lumOff val="35000"/>
-                  </a:schemeClr>
-                </a:solidFill>
-              </a:rPr>
-              <a:t>路径规划</a:t>
-            </a:r>
-          </a:p>
-        </p:txBody>
-      </p:sp>
-      <p:sp>
-        <p:nvSpPr>
-          <p:cNvPr id="101" name="文本框 100"/>
-          <p:cNvSpPr txBox="1"/>
-          <p:nvPr/>
-        </p:nvSpPr>
-        <p:spPr>
-          <a:xfrm rot="20746947">
-            <a:off x="2532544" y="2698269"/>
-            <a:ext cx="1980487" cy="307777"/>
-          </a:xfrm>
-          <a:prstGeom prst="rect">
-            <a:avLst/>
-          </a:prstGeom>
-          <a:noFill/>
-        </p:spPr>
-        <p:txBody>
-          <a:bodyPr wrap="square" rtlCol="0">
-            <a:spAutoFit/>
-          </a:bodyPr>
-          <a:lstStyle/>
-          <a:p>
-            <a:r>
-              <a:rPr lang="zh-CN" altLang="en-US" sz="1400" dirty="0">
-                <a:solidFill>
-                  <a:schemeClr val="tx1">
-                    <a:lumMod val="65000"/>
-                    <a:lumOff val="35000"/>
-                  </a:schemeClr>
-                </a:solidFill>
-              </a:rPr>
-              <a:t>提交订单</a:t>
-            </a:r>
-            <a:r>
-              <a:rPr lang="en-US" altLang="zh-CN" sz="1400" dirty="0">
-                <a:solidFill>
-                  <a:schemeClr val="tx1">
-                    <a:lumMod val="65000"/>
-                    <a:lumOff val="35000"/>
-                  </a:schemeClr>
-                </a:solidFill>
-              </a:rPr>
-              <a:t>/</a:t>
-            </a:r>
-            <a:r>
-              <a:rPr lang="zh-CN" altLang="en-US" sz="1400" dirty="0">
-                <a:solidFill>
-                  <a:schemeClr val="tx1">
-                    <a:lumMod val="65000"/>
-                    <a:lumOff val="35000"/>
-                  </a:schemeClr>
-                </a:solidFill>
-              </a:rPr>
-              <a:t>实时公交</a:t>
-            </a:r>
-          </a:p>
-        </p:txBody>
-      </p:sp>
-      <p:sp>
-        <p:nvSpPr>
-          <p:cNvPr id="102" name="文本框 101"/>
-          <p:cNvSpPr txBox="1"/>
-          <p:nvPr/>
-        </p:nvSpPr>
-        <p:spPr>
-          <a:xfrm rot="19307764">
-            <a:off x="6282816" y="1970144"/>
-            <a:ext cx="1035295" cy="338554"/>
-          </a:xfrm>
-          <a:prstGeom prst="rect">
-            <a:avLst/>
-          </a:prstGeom>
-          <a:noFill/>
-        </p:spPr>
-        <p:txBody>
-          <a:bodyPr wrap="square" rtlCol="0">
-            <a:spAutoFit/>
-          </a:bodyPr>
-          <a:lstStyle/>
-          <a:p>
-            <a:r>
-              <a:rPr lang="zh-CN" altLang="en-US" sz="1600" dirty="0">
-                <a:solidFill>
-                  <a:schemeClr val="tx1">
-                    <a:lumMod val="65000"/>
-                    <a:lumOff val="35000"/>
+                    <a:lumMod val="75000"/>
+                    <a:lumOff val="25000"/>
                   </a:schemeClr>
                 </a:solidFill>
               </a:rPr>
@@ -7737,8 +7772,8 @@
               <a:rPr lang="zh-CN" altLang="en-US" sz="1600" dirty="0">
                 <a:solidFill>
                   <a:schemeClr val="tx1">
-                    <a:lumMod val="65000"/>
-                    <a:lumOff val="35000"/>
+                    <a:lumMod val="75000"/>
+                    <a:lumOff val="25000"/>
                   </a:schemeClr>
                 </a:solidFill>
               </a:rPr>
@@ -7773,8 +7808,8 @@
               <a:rPr lang="zh-CN" altLang="en-US" sz="1600" dirty="0">
                 <a:solidFill>
                   <a:schemeClr val="tx1">
-                    <a:lumMod val="65000"/>
-                    <a:lumOff val="35000"/>
+                    <a:lumMod val="75000"/>
+                    <a:lumOff val="25000"/>
                   </a:schemeClr>
                 </a:solidFill>
               </a:rPr>
@@ -7809,8 +7844,8 @@
               <a:rPr lang="zh-CN" altLang="en-US" sz="1600" dirty="0">
                 <a:solidFill>
                   <a:schemeClr val="tx1">
-                    <a:lumMod val="65000"/>
-                    <a:lumOff val="35000"/>
+                    <a:lumMod val="75000"/>
+                    <a:lumOff val="25000"/>
                   </a:schemeClr>
                 </a:solidFill>
               </a:rPr>
@@ -7845,8 +7880,8 @@
               <a:rPr lang="zh-CN" altLang="en-US" sz="1600" dirty="0">
                 <a:solidFill>
                   <a:schemeClr val="tx1">
-                    <a:lumMod val="65000"/>
-                    <a:lumOff val="35000"/>
+                    <a:lumMod val="75000"/>
+                    <a:lumOff val="25000"/>
                   </a:schemeClr>
                 </a:solidFill>
               </a:rPr>
@@ -7856,8 +7891,8 @@
               <a:rPr lang="en-US" altLang="zh-CN" sz="1600" dirty="0">
                 <a:solidFill>
                   <a:schemeClr val="tx1">
-                    <a:lumMod val="65000"/>
-                    <a:lumOff val="35000"/>
+                    <a:lumMod val="75000"/>
+                    <a:lumOff val="25000"/>
                   </a:schemeClr>
                 </a:solidFill>
               </a:rPr>
@@ -7867,8 +7902,8 @@
               <a:rPr lang="zh-CN" altLang="en-US" sz="1600" dirty="0">
                 <a:solidFill>
                   <a:schemeClr val="tx1">
-                    <a:lumMod val="65000"/>
-                    <a:lumOff val="35000"/>
+                    <a:lumMod val="75000"/>
+                    <a:lumOff val="25000"/>
                   </a:schemeClr>
                 </a:solidFill>
               </a:rPr>
@@ -7903,8 +7938,8 @@
               <a:rPr lang="zh-CN" altLang="en-US" sz="1600" dirty="0">
                 <a:solidFill>
                   <a:schemeClr val="tx1">
-                    <a:lumMod val="65000"/>
-                    <a:lumOff val="35000"/>
+                    <a:lumMod val="75000"/>
+                    <a:lumOff val="25000"/>
                   </a:schemeClr>
                 </a:solidFill>
               </a:rPr>
@@ -7914,8 +7949,8 @@
               <a:rPr lang="en-US" altLang="zh-CN" sz="1600" dirty="0">
                 <a:solidFill>
                   <a:schemeClr val="tx1">
-                    <a:lumMod val="65000"/>
-                    <a:lumOff val="35000"/>
+                    <a:lumMod val="75000"/>
+                    <a:lumOff val="25000"/>
                   </a:schemeClr>
                 </a:solidFill>
               </a:rPr>
@@ -7925,8 +7960,8 @@
               <a:rPr lang="zh-CN" altLang="en-US" sz="1600" dirty="0">
                 <a:solidFill>
                   <a:schemeClr val="tx1">
-                    <a:lumMod val="65000"/>
-                    <a:lumOff val="35000"/>
+                    <a:lumMod val="75000"/>
+                    <a:lumOff val="25000"/>
                   </a:schemeClr>
                 </a:solidFill>
               </a:rPr>
@@ -7961,8 +7996,8 @@
               <a:rPr lang="zh-CN" altLang="en-US" sz="1600" dirty="0">
                 <a:solidFill>
                   <a:schemeClr val="tx1">
-                    <a:lumMod val="65000"/>
-                    <a:lumOff val="35000"/>
+                    <a:lumMod val="75000"/>
+                    <a:lumOff val="25000"/>
                   </a:schemeClr>
                 </a:solidFill>
               </a:rPr>
@@ -7972,8 +8007,8 @@
               <a:rPr lang="en-US" altLang="zh-CN" sz="1600" dirty="0">
                 <a:solidFill>
                   <a:schemeClr val="tx1">
-                    <a:lumMod val="65000"/>
-                    <a:lumOff val="35000"/>
+                    <a:lumMod val="75000"/>
+                    <a:lumOff val="25000"/>
                   </a:schemeClr>
                 </a:solidFill>
               </a:rPr>
@@ -7983,8 +8018,8 @@
               <a:rPr lang="zh-CN" altLang="en-US" sz="1600" dirty="0">
                 <a:solidFill>
                   <a:schemeClr val="tx1">
-                    <a:lumMod val="65000"/>
-                    <a:lumOff val="35000"/>
+                    <a:lumMod val="75000"/>
+                    <a:lumOff val="25000"/>
                   </a:schemeClr>
                 </a:solidFill>
               </a:rPr>
@@ -7993,8 +8028,8 @@
             <a:endParaRPr lang="en-US" altLang="zh-CN" sz="1600" dirty="0">
               <a:solidFill>
                 <a:schemeClr val="tx1">
-                  <a:lumMod val="65000"/>
-                  <a:lumOff val="35000"/>
+                  <a:lumMod val="75000"/>
+                  <a:lumOff val="25000"/>
                 </a:schemeClr>
               </a:solidFill>
             </a:endParaRPr>
@@ -8004,8 +8039,8 @@
               <a:rPr lang="zh-CN" altLang="en-US" sz="1600" dirty="0">
                 <a:solidFill>
                   <a:schemeClr val="tx1">
-                    <a:lumMod val="65000"/>
-                    <a:lumOff val="35000"/>
+                    <a:lumMod val="75000"/>
+                    <a:lumOff val="25000"/>
                   </a:schemeClr>
                 </a:solidFill>
               </a:rPr>
@@ -8040,8 +8075,8 @@
               <a:rPr lang="zh-CN" altLang="en-US" sz="1600" dirty="0">
                 <a:solidFill>
                   <a:schemeClr val="tx1">
-                    <a:lumMod val="65000"/>
-                    <a:lumOff val="35000"/>
+                    <a:lumMod val="75000"/>
+                    <a:lumOff val="25000"/>
                   </a:schemeClr>
                 </a:solidFill>
               </a:rPr>
@@ -8143,8 +8178,8 @@
               <a:rPr lang="zh-CN" altLang="en-US" sz="1600" dirty="0">
                 <a:solidFill>
                   <a:schemeClr val="tx1">
-                    <a:lumMod val="65000"/>
-                    <a:lumOff val="35000"/>
+                    <a:lumMod val="75000"/>
+                    <a:lumOff val="25000"/>
                   </a:schemeClr>
                 </a:solidFill>
               </a:rPr>
@@ -8153,8 +8188,8 @@
             <a:endParaRPr lang="en-US" altLang="zh-CN" sz="1600" dirty="0">
               <a:solidFill>
                 <a:schemeClr val="tx1">
-                  <a:lumMod val="65000"/>
-                  <a:lumOff val="35000"/>
+                  <a:lumMod val="75000"/>
+                  <a:lumOff val="25000"/>
                 </a:schemeClr>
               </a:solidFill>
             </a:endParaRPr>
@@ -8164,8 +8199,8 @@
               <a:rPr lang="zh-CN" altLang="en-US" sz="1600" dirty="0">
                 <a:solidFill>
                   <a:schemeClr val="tx1">
-                    <a:lumMod val="65000"/>
-                    <a:lumOff val="35000"/>
+                    <a:lumMod val="75000"/>
+                    <a:lumOff val="25000"/>
                   </a:schemeClr>
                 </a:solidFill>
               </a:rPr>
@@ -8230,12 +8265,12 @@
               <a:rPr lang="zh-CN" altLang="en-US" sz="1200" dirty="0">
                 <a:solidFill>
                   <a:schemeClr val="tx1">
-                    <a:lumMod val="65000"/>
-                    <a:lumOff val="35000"/>
+                    <a:lumMod val="75000"/>
+                    <a:lumOff val="25000"/>
                   </a:schemeClr>
                 </a:solidFill>
               </a:rPr>
-              <a:t>更多其他便民信息</a:t>
+              <a:t>以及其他便民信息</a:t>
             </a:r>
           </a:p>
         </p:txBody>
@@ -8266,8 +8301,8 @@
               <a:rPr lang="zh-CN" altLang="en-US" sz="1600" dirty="0">
                 <a:solidFill>
                   <a:schemeClr val="tx1">
-                    <a:lumMod val="65000"/>
-                    <a:lumOff val="35000"/>
+                    <a:lumMod val="75000"/>
+                    <a:lumOff val="25000"/>
                   </a:schemeClr>
                 </a:solidFill>
               </a:rPr>
@@ -8277,8 +8312,8 @@
               <a:rPr lang="en-US" altLang="zh-CN" sz="1600" dirty="0">
                 <a:solidFill>
                   <a:schemeClr val="tx1">
-                    <a:lumMod val="65000"/>
-                    <a:lumOff val="35000"/>
+                    <a:lumMod val="75000"/>
+                    <a:lumOff val="25000"/>
                   </a:schemeClr>
                 </a:solidFill>
               </a:rPr>
@@ -8288,12 +8323,12 @@
               <a:rPr lang="zh-CN" altLang="en-US" sz="1600" dirty="0">
                 <a:solidFill>
                   <a:schemeClr val="tx1">
-                    <a:lumMod val="65000"/>
-                    <a:lumOff val="35000"/>
+                    <a:lumMod val="75000"/>
+                    <a:lumOff val="25000"/>
                   </a:schemeClr>
                 </a:solidFill>
               </a:rPr>
-              <a:t>咨询</a:t>
+              <a:t>资讯</a:t>
             </a:r>
           </a:p>
         </p:txBody>
